--- a/documentacion/Aprendoencasa-covid-19.pptx
+++ b/documentacion/Aprendoencasa-covid-19.pptx
@@ -6,7 +6,11 @@
   </p:sldMasterIdLst>
   <p:sldIdLst>
     <p:sldId id="257" r:id="rId2"/>
-    <p:sldId id="256" r:id="rId3"/>
+    <p:sldId id="259" r:id="rId3"/>
+    <p:sldId id="258" r:id="rId4"/>
+    <p:sldId id="260" r:id="rId5"/>
+    <p:sldId id="256" r:id="rId6"/>
+    <p:sldId id="261" r:id="rId7"/>
   </p:sldIdLst>
   <p:sldSz cx="12192000" cy="6858000"/>
   <p:notesSz cx="6858000" cy="9144000"/>
@@ -105,6 +109,11 @@
       </a:defRPr>
     </a:lvl9pPr>
   </p:defaultTextStyle>
+  <p:extLst>
+    <p:ext uri="{EFAFB233-063F-42B5-8137-9DF3F51BA10A}">
+      <p15:sldGuideLst xmlns:p15="http://schemas.microsoft.com/office/powerpoint/2012/main"/>
+    </p:ext>
+  </p:extLst>
 </p:presentation>
 </file>
 
@@ -3132,13 +3141,259 @@
             <a:spLocks noGrp="1"/>
           </p:cNvSpPr>
           <p:nvPr>
-            <p:ph type="ctrTitle"/>
+            <p:ph type="title"/>
           </p:nvPr>
         </p:nvSpPr>
         <p:spPr>
           <a:xfrm>
-            <a:off x="1598052" y="426546"/>
-            <a:ext cx="9199808" cy="538623"/>
+            <a:off x="3931024" y="2570442"/>
+            <a:ext cx="4580965" cy="1325563"/>
+          </a:xfrm>
+        </p:spPr>
+        <p:txBody>
+          <a:bodyPr>
+            <a:noAutofit/>
+          </a:bodyPr>
+          <a:lstStyle/>
+          <a:p>
+            <a:pPr algn="ctr"/>
+            <a:r>
+              <a:rPr lang="es-CR" sz="9600" b="1" dirty="0" smtClean="0"/>
+              <a:t>Diseño </a:t>
+            </a:r>
+            <a:endParaRPr lang="es-CR" sz="9600" b="1" dirty="0"/>
+          </a:p>
+        </p:txBody>
+      </p:sp>
+    </p:spTree>
+    <p:extLst>
+      <p:ext uri="{BB962C8B-B14F-4D97-AF65-F5344CB8AC3E}">
+        <p14:creationId xmlns:p14="http://schemas.microsoft.com/office/powerpoint/2010/main" val="2900735005"/>
+      </p:ext>
+    </p:extLst>
+  </p:cSld>
+  <p:clrMapOvr>
+    <a:masterClrMapping/>
+  </p:clrMapOvr>
+</p:sld>
+</file>
+
+<file path=ppt/slides/slide3.xml><?xml version="1.0" encoding="utf-8"?>
+<p:sld xmlns:a="http://schemas.openxmlformats.org/drawingml/2006/main" xmlns:r="http://schemas.openxmlformats.org/officeDocument/2006/relationships" xmlns:p="http://schemas.openxmlformats.org/presentationml/2006/main">
+  <p:cSld>
+    <p:spTree>
+      <p:nvGrpSpPr>
+        <p:cNvPr id="1" name=""/>
+        <p:cNvGrpSpPr/>
+        <p:nvPr/>
+      </p:nvGrpSpPr>
+      <p:grpSpPr>
+        <a:xfrm>
+          <a:off x="0" y="0"/>
+          <a:ext cx="0" cy="0"/>
+          <a:chOff x="0" y="0"/>
+          <a:chExt cx="0" cy="0"/>
+        </a:xfrm>
+      </p:grpSpPr>
+      <p:sp>
+        <p:nvSpPr>
+          <p:cNvPr id="2" name="Título 1"/>
+          <p:cNvSpPr>
+            <a:spLocks noGrp="1"/>
+          </p:cNvSpPr>
+          <p:nvPr>
+            <p:ph type="title"/>
+          </p:nvPr>
+        </p:nvSpPr>
+        <p:spPr/>
+        <p:txBody>
+          <a:bodyPr/>
+          <a:lstStyle/>
+          <a:p>
+            <a:endParaRPr lang="es-CR"/>
+          </a:p>
+        </p:txBody>
+      </p:sp>
+      <p:sp>
+        <p:nvSpPr>
+          <p:cNvPr id="3" name="Marcador de contenido 2"/>
+          <p:cNvSpPr>
+            <a:spLocks noGrp="1"/>
+          </p:cNvSpPr>
+          <p:nvPr>
+            <p:ph idx="1"/>
+          </p:nvPr>
+        </p:nvSpPr>
+        <p:spPr/>
+        <p:txBody>
+          <a:bodyPr/>
+          <a:lstStyle/>
+          <a:p>
+            <a:endParaRPr lang="es-CR"/>
+          </a:p>
+        </p:txBody>
+      </p:sp>
+      <p:pic>
+        <p:nvPicPr>
+          <p:cNvPr id="1026" name="Picture 2" descr="Vista previa de imagen"/>
+          <p:cNvPicPr>
+            <a:picLocks noChangeAspect="1" noChangeArrowheads="1"/>
+          </p:cNvPicPr>
+          <p:nvPr/>
+        </p:nvPicPr>
+        <p:blipFill>
+          <a:blip r:embed="rId2">
+            <a:extLst>
+              <a:ext uri="{28A0092B-C50C-407E-A947-70E740481C1C}">
+                <a14:useLocalDpi xmlns:a14="http://schemas.microsoft.com/office/drawing/2010/main" val="0"/>
+              </a:ext>
+            </a:extLst>
+          </a:blip>
+          <a:srcRect/>
+          <a:stretch>
+            <a:fillRect/>
+          </a:stretch>
+        </p:blipFill>
+        <p:spPr bwMode="auto">
+          <a:xfrm>
+            <a:off x="699247" y="110939"/>
+            <a:ext cx="10654553" cy="6457285"/>
+          </a:xfrm>
+          <a:prstGeom prst="rect">
+            <a:avLst/>
+          </a:prstGeom>
+          <a:noFill/>
+          <a:extLst>
+            <a:ext uri="{909E8E84-426E-40DD-AFC4-6F175D3DCCD1}">
+              <a14:hiddenFill xmlns:a14="http://schemas.microsoft.com/office/drawing/2010/main">
+                <a:solidFill>
+                  <a:srgbClr val="FFFFFF"/>
+                </a:solidFill>
+              </a14:hiddenFill>
+            </a:ext>
+          </a:extLst>
+        </p:spPr>
+      </p:pic>
+    </p:spTree>
+    <p:extLst>
+      <p:ext uri="{BB962C8B-B14F-4D97-AF65-F5344CB8AC3E}">
+        <p14:creationId xmlns:p14="http://schemas.microsoft.com/office/powerpoint/2010/main" val="3608702715"/>
+      </p:ext>
+    </p:extLst>
+  </p:cSld>
+  <p:clrMapOvr>
+    <a:masterClrMapping/>
+  </p:clrMapOvr>
+</p:sld>
+</file>
+
+<file path=ppt/slides/slide4.xml><?xml version="1.0" encoding="utf-8"?>
+<p:sld xmlns:a="http://schemas.openxmlformats.org/drawingml/2006/main" xmlns:r="http://schemas.openxmlformats.org/officeDocument/2006/relationships" xmlns:p="http://schemas.openxmlformats.org/presentationml/2006/main">
+  <p:cSld>
+    <p:spTree>
+      <p:nvGrpSpPr>
+        <p:cNvPr id="1" name=""/>
+        <p:cNvGrpSpPr/>
+        <p:nvPr/>
+      </p:nvGrpSpPr>
+      <p:grpSpPr>
+        <a:xfrm>
+          <a:off x="0" y="0"/>
+          <a:ext cx="0" cy="0"/>
+          <a:chOff x="0" y="0"/>
+          <a:chExt cx="0" cy="0"/>
+        </a:xfrm>
+      </p:grpSpPr>
+      <p:sp>
+        <p:nvSpPr>
+          <p:cNvPr id="2" name="Título 1"/>
+          <p:cNvSpPr>
+            <a:spLocks noGrp="1"/>
+          </p:cNvSpPr>
+          <p:nvPr>
+            <p:ph type="title"/>
+          </p:nvPr>
+        </p:nvSpPr>
+        <p:spPr>
+          <a:xfrm>
+            <a:off x="2485624" y="2570442"/>
+            <a:ext cx="6026366" cy="1325563"/>
+          </a:xfrm>
+        </p:spPr>
+        <p:txBody>
+          <a:bodyPr>
+            <a:noAutofit/>
+          </a:bodyPr>
+          <a:lstStyle/>
+          <a:p>
+            <a:pPr algn="ctr"/>
+            <a:r>
+              <a:rPr lang="es-CR" sz="9600" b="1" dirty="0" smtClean="0"/>
+              <a:t>Contenido</a:t>
+            </a:r>
+            <a:br>
+              <a:rPr lang="es-CR" sz="9600" b="1" dirty="0" smtClean="0"/>
+            </a:br>
+            <a:r>
+              <a:rPr lang="es-CR" sz="4000" b="1" dirty="0" smtClean="0">
+                <a:solidFill>
+                  <a:srgbClr val="FF0000"/>
+                </a:solidFill>
+              </a:rPr>
+              <a:t>Hacer los cambios que requieran de texto</a:t>
+            </a:r>
+            <a:endParaRPr lang="es-CR" sz="4000" b="1" dirty="0">
+              <a:solidFill>
+                <a:srgbClr val="FF0000"/>
+              </a:solidFill>
+            </a:endParaRPr>
+          </a:p>
+        </p:txBody>
+      </p:sp>
+    </p:spTree>
+    <p:extLst>
+      <p:ext uri="{BB962C8B-B14F-4D97-AF65-F5344CB8AC3E}">
+        <p14:creationId xmlns:p14="http://schemas.microsoft.com/office/powerpoint/2010/main" val="3982848085"/>
+      </p:ext>
+    </p:extLst>
+  </p:cSld>
+  <p:clrMapOvr>
+    <a:masterClrMapping/>
+  </p:clrMapOvr>
+</p:sld>
+</file>
+
+<file path=ppt/slides/slide5.xml><?xml version="1.0" encoding="utf-8"?>
+<p:sld xmlns:a="http://schemas.openxmlformats.org/drawingml/2006/main" xmlns:r="http://schemas.openxmlformats.org/officeDocument/2006/relationships" xmlns:p="http://schemas.openxmlformats.org/presentationml/2006/main">
+  <p:cSld>
+    <p:spTree>
+      <p:nvGrpSpPr>
+        <p:cNvPr id="1" name=""/>
+        <p:cNvGrpSpPr/>
+        <p:nvPr/>
+      </p:nvGrpSpPr>
+      <p:grpSpPr>
+        <a:xfrm>
+          <a:off x="0" y="0"/>
+          <a:ext cx="0" cy="0"/>
+          <a:chOff x="0" y="0"/>
+          <a:chExt cx="0" cy="0"/>
+        </a:xfrm>
+      </p:grpSpPr>
+      <p:sp>
+        <p:nvSpPr>
+          <p:cNvPr id="2" name="Título 1"/>
+          <p:cNvSpPr>
+            <a:spLocks noGrp="1"/>
+          </p:cNvSpPr>
+          <p:nvPr>
+            <p:ph type="ctrTitle"/>
+          </p:nvPr>
+        </p:nvSpPr>
+        <p:spPr>
+          <a:xfrm>
+            <a:off x="346295" y="35108"/>
+            <a:ext cx="11423560" cy="538623"/>
           </a:xfrm>
           <a:solidFill>
             <a:schemeClr val="accent2"/>
@@ -3170,7 +3425,7 @@
         </p:nvSpPr>
         <p:spPr>
           <a:xfrm>
-            <a:off x="1598052" y="1072254"/>
+            <a:off x="983628" y="656469"/>
             <a:ext cx="2004811" cy="538088"/>
           </a:xfrm>
           <a:solidFill>
@@ -3202,7 +3457,7 @@
         </p:nvSpPr>
         <p:spPr>
           <a:xfrm>
-            <a:off x="5079667" y="1040616"/>
+            <a:off x="4928842" y="678947"/>
             <a:ext cx="2004811" cy="515610"/>
           </a:xfrm>
           <a:prstGeom prst="rect">
@@ -3402,7 +3657,7 @@
         </p:nvSpPr>
         <p:spPr>
           <a:xfrm>
-            <a:off x="8601795" y="1073189"/>
+            <a:off x="9065434" y="647833"/>
             <a:ext cx="2004811" cy="483037"/>
           </a:xfrm>
           <a:prstGeom prst="rect">
@@ -3538,7 +3793,7 @@
         </p:nvSpPr>
         <p:spPr>
           <a:xfrm>
-            <a:off x="5060500" y="1610342"/>
+            <a:off x="5177483" y="1194557"/>
             <a:ext cx="1878168" cy="683705"/>
           </a:xfrm>
           <a:prstGeom prst="ellipse">
@@ -3582,7 +3837,7 @@
         </p:nvSpPr>
         <p:spPr>
           <a:xfrm>
-            <a:off x="1569767" y="1636500"/>
+            <a:off x="858046" y="1258811"/>
             <a:ext cx="2061526" cy="703062"/>
           </a:xfrm>
           <a:prstGeom prst="ellipse">
@@ -3626,7 +3881,7 @@
         </p:nvSpPr>
         <p:spPr>
           <a:xfrm>
-            <a:off x="1457986" y="4223976"/>
+            <a:off x="891233" y="4059531"/>
             <a:ext cx="1995151" cy="574973"/>
           </a:xfrm>
           <a:prstGeom prst="ellipse">
@@ -3655,67 +3910,22 @@
           <a:p>
             <a:pPr algn="ctr"/>
             <a:r>
-              <a:rPr lang="es-CR" dirty="0" smtClean="0"/>
-              <a:t>Oferta Virtual</a:t>
-            </a:r>
-            <a:endParaRPr lang="es-CR" dirty="0"/>
-          </a:p>
-        </p:txBody>
-      </p:sp>
-      <p:sp>
-        <p:nvSpPr>
-          <p:cNvPr id="9" name="Flecha derecha 8"/>
-          <p:cNvSpPr/>
+              <a:rPr lang="es-CR" sz="1400" b="1" dirty="0"/>
+              <a:t>Oferta Virtual-Guías de trabajo</a:t>
+            </a:r>
+          </a:p>
+        </p:txBody>
+      </p:sp>
+      <p:sp>
+        <p:nvSpPr>
+          <p:cNvPr id="11" name="CuadroTexto 10"/>
+          <p:cNvSpPr txBox="1"/>
           <p:nvPr/>
         </p:nvSpPr>
         <p:spPr>
           <a:xfrm>
-            <a:off x="154377" y="-50212"/>
-            <a:ext cx="1363014" cy="1318166"/>
-          </a:xfrm>
-          <a:prstGeom prst="rightArrow">
-            <a:avLst/>
-          </a:prstGeom>
-        </p:spPr>
-        <p:style>
-          <a:lnRef idx="2">
-            <a:schemeClr val="accent6">
-              <a:shade val="50000"/>
-            </a:schemeClr>
-          </a:lnRef>
-          <a:fillRef idx="1">
-            <a:schemeClr val="accent6"/>
-          </a:fillRef>
-          <a:effectRef idx="0">
-            <a:schemeClr val="accent6"/>
-          </a:effectRef>
-          <a:fontRef idx="minor">
-            <a:schemeClr val="lt1"/>
-          </a:fontRef>
-        </p:style>
-        <p:txBody>
-          <a:bodyPr rtlCol="0" anchor="ctr"/>
-          <a:lstStyle/>
-          <a:p>
-            <a:pPr algn="ctr"/>
-            <a:r>
-              <a:rPr lang="es-CR" dirty="0" smtClean="0"/>
-              <a:t>Aprendo en casa</a:t>
-            </a:r>
-            <a:endParaRPr lang="es-CR" dirty="0"/>
-          </a:p>
-        </p:txBody>
-      </p:sp>
-      <p:sp>
-        <p:nvSpPr>
-          <p:cNvPr id="10" name="CuadroTexto 9"/>
-          <p:cNvSpPr txBox="1"/>
-          <p:nvPr/>
-        </p:nvSpPr>
-        <p:spPr>
-          <a:xfrm rot="16200000">
-            <a:off x="-1353225" y="3605452"/>
-            <a:ext cx="3773509" cy="646331"/>
+            <a:off x="463154" y="1983316"/>
+            <a:ext cx="3555355" cy="2031325"/>
           </a:xfrm>
           <a:prstGeom prst="rect">
             <a:avLst/>
@@ -3728,49 +3938,6 @@
           </a:bodyPr>
           <a:lstStyle/>
           <a:p>
-            <a:pPr algn="ctr"/>
-            <a:r>
-              <a:rPr lang="es-CR" b="1" dirty="0" smtClean="0">
-                <a:solidFill>
-                  <a:schemeClr val="accent2">
-                    <a:lumMod val="75000"/>
-                  </a:schemeClr>
-                </a:solidFill>
-              </a:rPr>
-              <a:t>Figura masculina de docente y imágenes publicidad de</a:t>
-            </a:r>
-            <a:endParaRPr lang="es-CR" b="1" dirty="0">
-              <a:solidFill>
-                <a:schemeClr val="accent2">
-                  <a:lumMod val="75000"/>
-                </a:schemeClr>
-              </a:solidFill>
-            </a:endParaRPr>
-          </a:p>
-        </p:txBody>
-      </p:sp>
-      <p:sp>
-        <p:nvSpPr>
-          <p:cNvPr id="11" name="CuadroTexto 10"/>
-          <p:cNvSpPr txBox="1"/>
-          <p:nvPr/>
-        </p:nvSpPr>
-        <p:spPr>
-          <a:xfrm>
-            <a:off x="1300162" y="2258528"/>
-            <a:ext cx="3238821" cy="2031325"/>
-          </a:xfrm>
-          <a:prstGeom prst="rect">
-            <a:avLst/>
-          </a:prstGeom>
-          <a:noFill/>
-        </p:spPr>
-        <p:txBody>
-          <a:bodyPr wrap="square" rtlCol="0">
-            <a:spAutoFit/>
-          </a:bodyPr>
-          <a:lstStyle/>
-          <a:p>
             <a:r>
               <a:rPr lang="es-CR" b="1" dirty="0" smtClean="0"/>
               <a:t>-Café nacional SINART canal 13</a:t>
@@ -3794,29 +3961,13 @@
           <a:p>
             <a:r>
               <a:rPr lang="es-CR" b="1" dirty="0" smtClean="0"/>
-              <a:t>-</a:t>
-            </a:r>
-            <a:r>
-              <a:rPr lang="es-CR" b="1" dirty="0" smtClean="0">
-                <a:solidFill>
-                  <a:srgbClr val="FF0000"/>
-                </a:solidFill>
-              </a:rPr>
-              <a:t>Caja de Herramientas </a:t>
-            </a:r>
+              <a:t>-Caja de Herramientas canal 13</a:t>
+            </a:r>
+          </a:p>
+          <a:p>
             <a:r>
               <a:rPr lang="es-CR" b="1" dirty="0" smtClean="0"/>
-              <a:t>canal 13</a:t>
-            </a:r>
-          </a:p>
-          <a:p>
-            <a:r>
-              <a:rPr lang="es-CR" b="1" dirty="0" smtClean="0"/>
-              <a:t>Horario </a:t>
-            </a:r>
-            <a:r>
-              <a:rPr lang="es-CR" b="1" dirty="0" smtClean="0"/>
-              <a:t>3:00 a 5:00 </a:t>
+              <a:t>Horario 3:00 a 5:00 </a:t>
             </a:r>
           </a:p>
           <a:p>
@@ -3836,7 +3987,7 @@
         </p:nvSpPr>
         <p:spPr>
           <a:xfrm>
-            <a:off x="1308567" y="4842110"/>
+            <a:off x="463154" y="4634504"/>
             <a:ext cx="3238821" cy="923330"/>
           </a:xfrm>
           <a:prstGeom prst="rect">
@@ -3872,7 +4023,7 @@
         </p:nvSpPr>
         <p:spPr>
           <a:xfrm>
-            <a:off x="4673344" y="5267927"/>
+            <a:off x="4928842" y="5076721"/>
             <a:ext cx="3238821" cy="923330"/>
           </a:xfrm>
           <a:prstGeom prst="rect">
@@ -3908,7 +4059,261 @@
         </p:nvSpPr>
         <p:spPr>
           <a:xfrm>
-            <a:off x="5060500" y="4597763"/>
+            <a:off x="4928842" y="4396694"/>
+            <a:ext cx="2334843" cy="574973"/>
+          </a:xfrm>
+          <a:prstGeom prst="ellipse">
+            <a:avLst/>
+          </a:prstGeom>
+        </p:spPr>
+        <p:style>
+          <a:lnRef idx="2">
+            <a:schemeClr val="accent1">
+              <a:shade val="50000"/>
+            </a:schemeClr>
+          </a:lnRef>
+          <a:fillRef idx="1">
+            <a:schemeClr val="accent1"/>
+          </a:fillRef>
+          <a:effectRef idx="0">
+            <a:schemeClr val="accent1"/>
+          </a:effectRef>
+          <a:fontRef idx="minor">
+            <a:schemeClr val="lt1"/>
+          </a:fontRef>
+        </p:style>
+        <p:txBody>
+          <a:bodyPr rtlCol="0" anchor="ctr"/>
+          <a:lstStyle/>
+          <a:p>
+            <a:pPr algn="ctr"/>
+            <a:r>
+              <a:rPr lang="es-CR" sz="1600" b="1" dirty="0" smtClean="0"/>
+              <a:t>Oferta Virtual-Guías de trabajo</a:t>
+            </a:r>
+            <a:endParaRPr lang="es-CR" sz="1600" b="1" dirty="0"/>
+          </a:p>
+        </p:txBody>
+      </p:sp>
+      <p:sp>
+        <p:nvSpPr>
+          <p:cNvPr id="15" name="CuadroTexto 14"/>
+          <p:cNvSpPr txBox="1"/>
+          <p:nvPr/>
+        </p:nvSpPr>
+        <p:spPr>
+          <a:xfrm>
+            <a:off x="4928842" y="1983316"/>
+            <a:ext cx="3238821" cy="2308324"/>
+          </a:xfrm>
+          <a:prstGeom prst="rect">
+            <a:avLst/>
+          </a:prstGeom>
+          <a:noFill/>
+        </p:spPr>
+        <p:txBody>
+          <a:bodyPr wrap="square" rtlCol="0">
+            <a:spAutoFit/>
+          </a:bodyPr>
+          <a:lstStyle/>
+          <a:p>
+            <a:r>
+              <a:rPr lang="es-CR" b="1" dirty="0" smtClean="0"/>
+              <a:t>-Primaria Programa para estudiantes</a:t>
+            </a:r>
+          </a:p>
+          <a:p>
+            <a:r>
+              <a:rPr lang="es-CR" b="1" dirty="0" smtClean="0"/>
+              <a:t>Horario 11:00 am a 12:00 md</a:t>
+            </a:r>
+          </a:p>
+          <a:p>
+            <a:r>
+              <a:rPr lang="es-CR" b="1" dirty="0" smtClean="0"/>
+              <a:t>Lunes a Viernes</a:t>
+            </a:r>
+          </a:p>
+          <a:p>
+            <a:endParaRPr lang="es-CR" b="1" dirty="0"/>
+          </a:p>
+          <a:p>
+            <a:r>
+              <a:rPr lang="es-CR" b="1" dirty="0" smtClean="0"/>
+              <a:t>-Erase una vez</a:t>
+            </a:r>
+          </a:p>
+          <a:p>
+            <a:r>
+              <a:rPr lang="es-CR" b="1" dirty="0" smtClean="0"/>
+              <a:t>Horario 3:00 am a 5:00 </a:t>
+            </a:r>
+          </a:p>
+          <a:p>
+            <a:r>
+              <a:rPr lang="es-CR" b="1" dirty="0" smtClean="0"/>
+              <a:t>Lunes a Viernes</a:t>
+            </a:r>
+          </a:p>
+        </p:txBody>
+      </p:sp>
+      <p:sp>
+        <p:nvSpPr>
+          <p:cNvPr id="16" name="CuadroTexto 15"/>
+          <p:cNvSpPr txBox="1"/>
+          <p:nvPr/>
+        </p:nvSpPr>
+        <p:spPr>
+          <a:xfrm>
+            <a:off x="9015201" y="1941947"/>
+            <a:ext cx="3238821" cy="2308324"/>
+          </a:xfrm>
+          <a:prstGeom prst="rect">
+            <a:avLst/>
+          </a:prstGeom>
+          <a:noFill/>
+        </p:spPr>
+        <p:txBody>
+          <a:bodyPr wrap="square" rtlCol="0">
+            <a:spAutoFit/>
+          </a:bodyPr>
+          <a:lstStyle/>
+          <a:p>
+            <a:r>
+              <a:rPr lang="es-CR" b="1" dirty="0" smtClean="0"/>
+              <a:t>-Programa Café Nacional Canal 13</a:t>
+            </a:r>
+          </a:p>
+          <a:p>
+            <a:r>
+              <a:rPr lang="es-CR" b="1" dirty="0" smtClean="0"/>
+              <a:t>Horario 8:00 a 10:00</a:t>
+            </a:r>
+          </a:p>
+          <a:p>
+            <a:r>
+              <a:rPr lang="es-CR" b="1" dirty="0" smtClean="0"/>
+              <a:t>Lunes a Viernes</a:t>
+            </a:r>
+          </a:p>
+          <a:p>
+            <a:endParaRPr lang="es-CR" b="1" dirty="0" smtClean="0"/>
+          </a:p>
+          <a:p>
+            <a:r>
+              <a:rPr lang="es-CR" b="1" dirty="0" smtClean="0"/>
+              <a:t>-Erase una vez</a:t>
+            </a:r>
+          </a:p>
+          <a:p>
+            <a:r>
+              <a:rPr lang="es-CR" b="1" dirty="0" smtClean="0"/>
+              <a:t>Horario 3:00 am a 5:00 </a:t>
+            </a:r>
+          </a:p>
+          <a:p>
+            <a:r>
+              <a:rPr lang="es-CR" b="1" dirty="0" smtClean="0"/>
+              <a:t>Lunes a Viernes</a:t>
+            </a:r>
+          </a:p>
+        </p:txBody>
+      </p:sp>
+      <p:sp>
+        <p:nvSpPr>
+          <p:cNvPr id="19" name="Elipse 18"/>
+          <p:cNvSpPr/>
+          <p:nvPr/>
+        </p:nvSpPr>
+        <p:spPr>
+          <a:xfrm>
+            <a:off x="9244695" y="1208026"/>
+            <a:ext cx="1878168" cy="656765"/>
+          </a:xfrm>
+          <a:prstGeom prst="ellipse">
+            <a:avLst/>
+          </a:prstGeom>
+        </p:spPr>
+        <p:style>
+          <a:lnRef idx="2">
+            <a:schemeClr val="accent1">
+              <a:shade val="50000"/>
+            </a:schemeClr>
+          </a:lnRef>
+          <a:fillRef idx="1">
+            <a:schemeClr val="accent1"/>
+          </a:fillRef>
+          <a:effectRef idx="0">
+            <a:schemeClr val="accent1"/>
+          </a:effectRef>
+          <a:fontRef idx="minor">
+            <a:schemeClr val="lt1"/>
+          </a:fontRef>
+        </p:style>
+        <p:txBody>
+          <a:bodyPr rtlCol="0" anchor="ctr"/>
+          <a:lstStyle/>
+          <a:p>
+            <a:pPr algn="ctr"/>
+            <a:r>
+              <a:rPr lang="es-CR" dirty="0" smtClean="0"/>
+              <a:t>Oferta Televisiva</a:t>
+            </a:r>
+            <a:endParaRPr lang="es-CR" dirty="0"/>
+          </a:p>
+        </p:txBody>
+      </p:sp>
+      <p:sp>
+        <p:nvSpPr>
+          <p:cNvPr id="21" name="Estrella de 7 puntas 20"/>
+          <p:cNvSpPr/>
+          <p:nvPr/>
+        </p:nvSpPr>
+        <p:spPr>
+          <a:xfrm>
+            <a:off x="10960441" y="0"/>
+            <a:ext cx="1403276" cy="1094206"/>
+          </a:xfrm>
+          <a:prstGeom prst="star7">
+            <a:avLst/>
+          </a:prstGeom>
+        </p:spPr>
+        <p:style>
+          <a:lnRef idx="0">
+            <a:schemeClr val="dk1"/>
+          </a:lnRef>
+          <a:fillRef idx="3">
+            <a:schemeClr val="dk1"/>
+          </a:fillRef>
+          <a:effectRef idx="3">
+            <a:schemeClr val="dk1"/>
+          </a:effectRef>
+          <a:fontRef idx="minor">
+            <a:schemeClr val="lt1"/>
+          </a:fontRef>
+        </p:style>
+        <p:txBody>
+          <a:bodyPr rtlCol="0" anchor="ctr"/>
+          <a:lstStyle/>
+          <a:p>
+            <a:pPr algn="ctr"/>
+            <a:r>
+              <a:rPr lang="es-CR" sz="1200" dirty="0" smtClean="0"/>
+              <a:t>Recursos COVID-19</a:t>
+            </a:r>
+            <a:endParaRPr lang="es-CR" sz="1200" dirty="0"/>
+          </a:p>
+        </p:txBody>
+      </p:sp>
+      <p:sp>
+        <p:nvSpPr>
+          <p:cNvPr id="22" name="Elipse 21"/>
+          <p:cNvSpPr/>
+          <p:nvPr/>
+        </p:nvSpPr>
+        <p:spPr>
+          <a:xfrm>
+            <a:off x="712233" y="5584723"/>
             <a:ext cx="1995151" cy="574973"/>
           </a:xfrm>
           <a:prstGeom prst="ellipse">
@@ -3937,261 +4342,6 @@
           <a:p>
             <a:pPr algn="ctr"/>
             <a:r>
-              <a:rPr lang="es-CR" dirty="0" smtClean="0"/>
-              <a:t>Oferta Virtual</a:t>
-            </a:r>
-            <a:endParaRPr lang="es-CR" dirty="0"/>
-          </a:p>
-        </p:txBody>
-      </p:sp>
-      <p:sp>
-        <p:nvSpPr>
-          <p:cNvPr id="15" name="CuadroTexto 14"/>
-          <p:cNvSpPr txBox="1"/>
-          <p:nvPr/>
-        </p:nvSpPr>
-        <p:spPr>
-          <a:xfrm>
-            <a:off x="4808588" y="2292422"/>
-            <a:ext cx="3238821" cy="2308324"/>
-          </a:xfrm>
-          <a:prstGeom prst="rect">
-            <a:avLst/>
-          </a:prstGeom>
-          <a:noFill/>
-        </p:spPr>
-        <p:txBody>
-          <a:bodyPr wrap="square" rtlCol="0">
-            <a:spAutoFit/>
-          </a:bodyPr>
-          <a:lstStyle/>
-          <a:p>
-            <a:r>
-              <a:rPr lang="es-CR" b="1" dirty="0" smtClean="0"/>
-              <a:t>-Primaria Programa para estudiantes</a:t>
-            </a:r>
-          </a:p>
-          <a:p>
-            <a:r>
-              <a:rPr lang="es-CR" b="1" dirty="0" smtClean="0"/>
-              <a:t>Horario 11:00 am a 12:00 md</a:t>
-            </a:r>
-          </a:p>
-          <a:p>
-            <a:r>
-              <a:rPr lang="es-CR" b="1" dirty="0" smtClean="0"/>
-              <a:t>Lunes a Viernes</a:t>
-            </a:r>
-          </a:p>
-          <a:p>
-            <a:endParaRPr lang="es-CR" b="1" dirty="0"/>
-          </a:p>
-          <a:p>
-            <a:r>
-              <a:rPr lang="es-CR" b="1" dirty="0" smtClean="0"/>
-              <a:t>-Erase una vez</a:t>
-            </a:r>
-          </a:p>
-          <a:p>
-            <a:r>
-              <a:rPr lang="es-CR" b="1" dirty="0" smtClean="0"/>
-              <a:t>Horario 3:00 am a 5:00 </a:t>
-            </a:r>
-          </a:p>
-          <a:p>
-            <a:r>
-              <a:rPr lang="es-CR" b="1" dirty="0" smtClean="0"/>
-              <a:t>Lunes a Viernes</a:t>
-            </a:r>
-          </a:p>
-        </p:txBody>
-      </p:sp>
-      <p:sp>
-        <p:nvSpPr>
-          <p:cNvPr id="16" name="CuadroTexto 15"/>
-          <p:cNvSpPr txBox="1"/>
-          <p:nvPr/>
-        </p:nvSpPr>
-        <p:spPr>
-          <a:xfrm>
-            <a:off x="8214454" y="2292422"/>
-            <a:ext cx="3238821" cy="2308324"/>
-          </a:xfrm>
-          <a:prstGeom prst="rect">
-            <a:avLst/>
-          </a:prstGeom>
-          <a:noFill/>
-        </p:spPr>
-        <p:txBody>
-          <a:bodyPr wrap="square" rtlCol="0">
-            <a:spAutoFit/>
-          </a:bodyPr>
-          <a:lstStyle/>
-          <a:p>
-            <a:r>
-              <a:rPr lang="es-CR" b="1" dirty="0" smtClean="0"/>
-              <a:t>-Programa Café Nacional Canal 13</a:t>
-            </a:r>
-          </a:p>
-          <a:p>
-            <a:r>
-              <a:rPr lang="es-CR" b="1" dirty="0" smtClean="0"/>
-              <a:t>Horario 8:00 a 10:00</a:t>
-            </a:r>
-          </a:p>
-          <a:p>
-            <a:r>
-              <a:rPr lang="es-CR" b="1" dirty="0" smtClean="0"/>
-              <a:t>Lunes a Viernes</a:t>
-            </a:r>
-          </a:p>
-          <a:p>
-            <a:endParaRPr lang="es-CR" b="1" dirty="0" smtClean="0"/>
-          </a:p>
-          <a:p>
-            <a:r>
-              <a:rPr lang="es-CR" b="1" dirty="0" smtClean="0"/>
-              <a:t>-Erase una vez</a:t>
-            </a:r>
-          </a:p>
-          <a:p>
-            <a:r>
-              <a:rPr lang="es-CR" b="1" dirty="0" smtClean="0"/>
-              <a:t>Horario 3:00 am a 5:00 </a:t>
-            </a:r>
-          </a:p>
-          <a:p>
-            <a:r>
-              <a:rPr lang="es-CR" b="1" dirty="0" smtClean="0"/>
-              <a:t>Lunes a Viernes</a:t>
-            </a:r>
-            <a:endParaRPr lang="es-CR" b="1" dirty="0" smtClean="0"/>
-          </a:p>
-        </p:txBody>
-      </p:sp>
-      <p:sp>
-        <p:nvSpPr>
-          <p:cNvPr id="19" name="Elipse 18"/>
-          <p:cNvSpPr/>
-          <p:nvPr/>
-        </p:nvSpPr>
-        <p:spPr>
-          <a:xfrm>
-            <a:off x="8532516" y="1610342"/>
-            <a:ext cx="1878168" cy="656765"/>
-          </a:xfrm>
-          <a:prstGeom prst="ellipse">
-            <a:avLst/>
-          </a:prstGeom>
-        </p:spPr>
-        <p:style>
-          <a:lnRef idx="2">
-            <a:schemeClr val="accent1">
-              <a:shade val="50000"/>
-            </a:schemeClr>
-          </a:lnRef>
-          <a:fillRef idx="1">
-            <a:schemeClr val="accent1"/>
-          </a:fillRef>
-          <a:effectRef idx="0">
-            <a:schemeClr val="accent1"/>
-          </a:effectRef>
-          <a:fontRef idx="minor">
-            <a:schemeClr val="lt1"/>
-          </a:fontRef>
-        </p:style>
-        <p:txBody>
-          <a:bodyPr rtlCol="0" anchor="ctr"/>
-          <a:lstStyle/>
-          <a:p>
-            <a:pPr algn="ctr"/>
-            <a:r>
-              <a:rPr lang="es-CR" dirty="0" smtClean="0"/>
-              <a:t>Oferta Televisiva</a:t>
-            </a:r>
-            <a:endParaRPr lang="es-CR" dirty="0"/>
-          </a:p>
-        </p:txBody>
-      </p:sp>
-      <p:sp>
-        <p:nvSpPr>
-          <p:cNvPr id="21" name="Estrella de 7 puntas 20"/>
-          <p:cNvSpPr/>
-          <p:nvPr/>
-        </p:nvSpPr>
-        <p:spPr>
-          <a:xfrm>
-            <a:off x="8513456" y="5037259"/>
-            <a:ext cx="1886636" cy="1556226"/>
-          </a:xfrm>
-          <a:prstGeom prst="star7">
-            <a:avLst/>
-          </a:prstGeom>
-        </p:spPr>
-        <p:style>
-          <a:lnRef idx="0">
-            <a:schemeClr val="dk1"/>
-          </a:lnRef>
-          <a:fillRef idx="3">
-            <a:schemeClr val="dk1"/>
-          </a:fillRef>
-          <a:effectRef idx="3">
-            <a:schemeClr val="dk1"/>
-          </a:effectRef>
-          <a:fontRef idx="minor">
-            <a:schemeClr val="lt1"/>
-          </a:fontRef>
-        </p:style>
-        <p:txBody>
-          <a:bodyPr rtlCol="0" anchor="ctr"/>
-          <a:lstStyle/>
-          <a:p>
-            <a:pPr algn="ctr"/>
-            <a:r>
-              <a:rPr lang="es-CR" dirty="0" smtClean="0"/>
-              <a:t>Recursos COVID-19</a:t>
-            </a:r>
-            <a:endParaRPr lang="es-CR" dirty="0"/>
-          </a:p>
-        </p:txBody>
-      </p:sp>
-      <p:sp>
-        <p:nvSpPr>
-          <p:cNvPr id="22" name="Elipse 21"/>
-          <p:cNvSpPr/>
-          <p:nvPr/>
-        </p:nvSpPr>
-        <p:spPr>
-          <a:xfrm>
-            <a:off x="1420571" y="5710059"/>
-            <a:ext cx="1995151" cy="574973"/>
-          </a:xfrm>
-          <a:prstGeom prst="ellipse">
-            <a:avLst/>
-          </a:prstGeom>
-        </p:spPr>
-        <p:style>
-          <a:lnRef idx="2">
-            <a:schemeClr val="accent1">
-              <a:shade val="50000"/>
-            </a:schemeClr>
-          </a:lnRef>
-          <a:fillRef idx="1">
-            <a:schemeClr val="accent1"/>
-          </a:fillRef>
-          <a:effectRef idx="0">
-            <a:schemeClr val="accent1"/>
-          </a:effectRef>
-          <a:fontRef idx="minor">
-            <a:schemeClr val="lt1"/>
-          </a:fontRef>
-        </p:style>
-        <p:txBody>
-          <a:bodyPr rtlCol="0" anchor="ctr"/>
-          <a:lstStyle/>
-          <a:p>
-            <a:pPr algn="ctr"/>
-            <a:r>
               <a:rPr lang="es-CR" dirty="0" err="1" smtClean="0"/>
               <a:t>Mep</a:t>
             </a:r>
@@ -4211,7 +4361,7 @@
         </p:nvSpPr>
         <p:spPr>
           <a:xfrm>
-            <a:off x="1160928" y="6390086"/>
+            <a:off x="346295" y="6186585"/>
             <a:ext cx="4391843" cy="369332"/>
           </a:xfrm>
           <a:prstGeom prst="rect">
@@ -4236,6 +4386,248 @@
     <p:extLst>
       <p:ext uri="{BB962C8B-B14F-4D97-AF65-F5344CB8AC3E}">
         <p14:creationId xmlns:p14="http://schemas.microsoft.com/office/powerpoint/2010/main" val="3709437096"/>
+      </p:ext>
+    </p:extLst>
+  </p:cSld>
+  <p:clrMapOvr>
+    <a:masterClrMapping/>
+  </p:clrMapOvr>
+</p:sld>
+</file>
+
+<file path=ppt/slides/slide6.xml><?xml version="1.0" encoding="utf-8"?>
+<p:sld xmlns:a="http://schemas.openxmlformats.org/drawingml/2006/main" xmlns:r="http://schemas.openxmlformats.org/officeDocument/2006/relationships" xmlns:p="http://schemas.openxmlformats.org/presentationml/2006/main">
+  <p:cSld>
+    <p:spTree>
+      <p:nvGrpSpPr>
+        <p:cNvPr id="1" name=""/>
+        <p:cNvGrpSpPr/>
+        <p:nvPr/>
+      </p:nvGrpSpPr>
+      <p:grpSpPr>
+        <a:xfrm>
+          <a:off x="0" y="0"/>
+          <a:ext cx="0" cy="0"/>
+          <a:chOff x="0" y="0"/>
+          <a:chExt cx="0" cy="0"/>
+        </a:xfrm>
+      </p:grpSpPr>
+      <p:sp>
+        <p:nvSpPr>
+          <p:cNvPr id="2" name="Título 1"/>
+          <p:cNvSpPr>
+            <a:spLocks noGrp="1"/>
+          </p:cNvSpPr>
+          <p:nvPr>
+            <p:ph type="title"/>
+          </p:nvPr>
+        </p:nvSpPr>
+        <p:spPr/>
+        <p:txBody>
+          <a:bodyPr>
+            <a:normAutofit fontScale="90000"/>
+          </a:bodyPr>
+          <a:lstStyle/>
+          <a:p>
+            <a:r>
+              <a:rPr lang="es-CR" dirty="0" smtClean="0"/>
+              <a:t>Información que ocupamos para </a:t>
+            </a:r>
+            <a:r>
+              <a:rPr lang="es-CR" dirty="0"/>
+              <a:t>cada actividad: población</a:t>
+            </a:r>
+            <a:r>
+              <a:rPr lang="es-CR" dirty="0" smtClean="0"/>
+              <a:t>, categoría, nombre, descripción</a:t>
+            </a:r>
+            <a:r>
+              <a:rPr lang="es-CR" dirty="0"/>
+              <a:t>, link</a:t>
+            </a:r>
+          </a:p>
+        </p:txBody>
+      </p:sp>
+      <p:sp>
+        <p:nvSpPr>
+          <p:cNvPr id="3" name="Marcador de contenido 2"/>
+          <p:cNvSpPr>
+            <a:spLocks noGrp="1"/>
+          </p:cNvSpPr>
+          <p:nvPr>
+            <p:ph idx="1"/>
+          </p:nvPr>
+        </p:nvSpPr>
+        <p:spPr>
+          <a:xfrm>
+            <a:off x="1108656" y="2250628"/>
+            <a:ext cx="8988380" cy="2888043"/>
+          </a:xfrm>
+        </p:spPr>
+        <p:txBody>
+          <a:bodyPr>
+            <a:normAutofit lnSpcReduction="10000"/>
+          </a:bodyPr>
+          <a:lstStyle/>
+          <a:p>
+            <a:pPr marL="0" indent="0">
+              <a:buNone/>
+            </a:pPr>
+            <a:r>
+              <a:rPr lang="es-CR" u="sng" dirty="0" smtClean="0">
+                <a:solidFill>
+                  <a:srgbClr val="FF0000"/>
+                </a:solidFill>
+              </a:rPr>
+              <a:t>EJEMPLO</a:t>
+            </a:r>
+          </a:p>
+          <a:p>
+            <a:pPr marL="0" indent="0">
+              <a:buNone/>
+            </a:pPr>
+            <a:r>
+              <a:rPr lang="es-CR" u="sng" dirty="0" smtClean="0"/>
+              <a:t>población</a:t>
+            </a:r>
+            <a:r>
+              <a:rPr lang="es-CR" dirty="0" smtClean="0"/>
+              <a:t>:</a:t>
+            </a:r>
+            <a:r>
+              <a:rPr lang="es-CR" dirty="0"/>
+              <a:t> </a:t>
+            </a:r>
+            <a:r>
+              <a:rPr lang="es-CR" dirty="0" smtClean="0"/>
+              <a:t>Docentes</a:t>
+            </a:r>
+            <a:r>
+              <a:rPr lang="es-CR" dirty="0"/>
+              <a:t>     </a:t>
+            </a:r>
+          </a:p>
+          <a:p>
+            <a:pPr marL="0" indent="0">
+              <a:buNone/>
+            </a:pPr>
+            <a:r>
+              <a:rPr lang="es-CR" u="sng" dirty="0"/>
+              <a:t>categoría</a:t>
+            </a:r>
+            <a:r>
+              <a:rPr lang="es-CR" dirty="0" smtClean="0"/>
+              <a:t>:</a:t>
+            </a:r>
+            <a:r>
+              <a:rPr lang="es-CR" dirty="0"/>
+              <a:t> </a:t>
+            </a:r>
+            <a:r>
+              <a:rPr lang="es-CR" dirty="0" smtClean="0"/>
+              <a:t>Oferta</a:t>
+            </a:r>
+            <a:r>
+              <a:rPr lang="es-CR" dirty="0"/>
+              <a:t> </a:t>
+            </a:r>
+            <a:r>
+              <a:rPr lang="es-CR" dirty="0" smtClean="0"/>
+              <a:t>Televisiva</a:t>
+            </a:r>
+            <a:endParaRPr lang="es-CR" dirty="0"/>
+          </a:p>
+          <a:p>
+            <a:pPr marL="0" indent="0">
+              <a:buNone/>
+            </a:pPr>
+            <a:r>
+              <a:rPr lang="es-CR" u="sng" dirty="0"/>
+              <a:t>nombre</a:t>
+            </a:r>
+            <a:r>
+              <a:rPr lang="es-CR" dirty="0" smtClean="0"/>
+              <a:t>:</a:t>
+            </a:r>
+            <a:r>
+              <a:rPr lang="es-CR" dirty="0"/>
+              <a:t> </a:t>
+            </a:r>
+            <a:r>
+              <a:rPr lang="es-CR" dirty="0" smtClean="0"/>
+              <a:t>Café</a:t>
+            </a:r>
+            <a:r>
+              <a:rPr lang="es-CR" dirty="0"/>
+              <a:t> Nacional SINART Canal </a:t>
+            </a:r>
+            <a:r>
+              <a:rPr lang="es-CR" dirty="0" smtClean="0"/>
+              <a:t>13</a:t>
+            </a:r>
+            <a:endParaRPr lang="es-CR" dirty="0"/>
+          </a:p>
+          <a:p>
+            <a:pPr marL="0" indent="0">
+              <a:buNone/>
+            </a:pPr>
+            <a:r>
+              <a:rPr lang="es-CR" u="sng" dirty="0"/>
+              <a:t>descripción</a:t>
+            </a:r>
+            <a:r>
+              <a:rPr lang="es-CR" dirty="0" smtClean="0"/>
+              <a:t>:</a:t>
+            </a:r>
+            <a:r>
+              <a:rPr lang="es-CR" dirty="0"/>
+              <a:t> </a:t>
+            </a:r>
+            <a:r>
+              <a:rPr lang="es-CR" dirty="0" smtClean="0"/>
+              <a:t>De</a:t>
+            </a:r>
+            <a:r>
+              <a:rPr lang="es-CR" dirty="0"/>
+              <a:t> Lunes a </a:t>
+            </a:r>
+            <a:r>
+              <a:rPr lang="es-CR" dirty="0" smtClean="0"/>
+              <a:t>viernes</a:t>
+            </a:r>
+            <a:endParaRPr lang="es-CR" dirty="0"/>
+          </a:p>
+          <a:p>
+            <a:pPr marL="0" indent="0">
+              <a:buNone/>
+            </a:pPr>
+            <a:r>
+              <a:rPr lang="es-CR" u="sng" dirty="0"/>
+              <a:t>link</a:t>
+            </a:r>
+            <a:r>
+              <a:rPr lang="es-CR" dirty="0" smtClean="0"/>
+              <a:t>:</a:t>
+            </a:r>
+            <a:r>
+              <a:rPr lang="es-CR" dirty="0"/>
+              <a:t> </a:t>
+            </a:r>
+            <a:r>
+              <a:rPr lang="es-CR" dirty="0" smtClean="0"/>
+              <a:t>www.nacion.com, (si así lo requieren)</a:t>
+            </a:r>
+            <a:endParaRPr lang="es-CR" dirty="0"/>
+          </a:p>
+          <a:p>
+            <a:endParaRPr lang="es-CR" dirty="0"/>
+          </a:p>
+        </p:txBody>
+      </p:sp>
+    </p:spTree>
+    <p:extLst>
+      <p:ext uri="{BB962C8B-B14F-4D97-AF65-F5344CB8AC3E}">
+        <p14:creationId xmlns:p14="http://schemas.microsoft.com/office/powerpoint/2010/main" val="1400876030"/>
       </p:ext>
     </p:extLst>
   </p:cSld>
